--- a/04 - Pytorch神經網路技巧.pptx
+++ b/04 - Pytorch神經網路技巧.pptx
@@ -128,7 +128,7 @@
   </p:defaultTextStyle>
   <p:extLst>
     <p:ext uri="{EFAFB233-063F-42B5-8137-9DF3F51BA10A}">
-      <p15:sldGuideLst xmlns="" xmlns:p15="http://schemas.microsoft.com/office/powerpoint/2012/main">
+      <p15:sldGuideLst xmlns:p15="http://schemas.microsoft.com/office/powerpoint/2012/main" xmlns="">
         <p15:guide id="1" orient="horz" pos="2160">
           <p15:clr>
             <a:srgbClr val="A4A3A4"/>
@@ -142,7 +142,7 @@
       </p15:sldGuideLst>
     </p:ext>
     <p:ext uri="{2D200454-40CA-4A62-9FC3-DE9A4176ACB9}">
-      <p15:notesGuideLst xmlns="" xmlns:p15="http://schemas.microsoft.com/office/powerpoint/2012/main"/>
+      <p15:notesGuideLst xmlns:p15="http://schemas.microsoft.com/office/powerpoint/2012/main" xmlns=""/>
     </p:ext>
   </p:extLst>
 </p:presentation>
@@ -233,7 +233,7 @@
             <a:fld id="{68F88C59-319B-4332-9A1D-2A62CFCB00D8}" type="datetimeFigureOut">
               <a:rPr lang="en-US" smtClean="0"/>
               <a:pPr/>
-              <a:t>10/16/2019</a:t>
+              <a:t>11/29/2019</a:t>
             </a:fld>
             <a:endParaRPr lang="en-US" dirty="0"/>
           </a:p>
@@ -311,7 +311,7 @@
     </p:spTree>
     <p:extLst>
       <p:ext uri="{BB962C8B-B14F-4D97-AF65-F5344CB8AC3E}">
-        <p14:creationId xmlns="" xmlns:p14="http://schemas.microsoft.com/office/powerpoint/2010/main" val="2345123278"/>
+        <p14:creationId xmlns:p14="http://schemas.microsoft.com/office/powerpoint/2010/main" xmlns="" val="2345123278"/>
       </p:ext>
     </p:extLst>
   </p:cSld>
@@ -404,7 +404,7 @@
             <a:fld id="{968B300D-05F0-4B43-940D-46DED5A791AD}" type="datetimeFigureOut">
               <a:rPr lang="en-US" smtClean="0"/>
               <a:pPr/>
-              <a:t>10/16/2019</a:t>
+              <a:t>11/29/2019</a:t>
             </a:fld>
             <a:endParaRPr lang="en-US" dirty="0"/>
           </a:p>
@@ -576,7 +576,7 @@
     </p:spTree>
     <p:extLst>
       <p:ext uri="{BB962C8B-B14F-4D97-AF65-F5344CB8AC3E}">
-        <p14:creationId xmlns="" xmlns:p14="http://schemas.microsoft.com/office/powerpoint/2010/main" val="623787478"/>
+        <p14:creationId xmlns:p14="http://schemas.microsoft.com/office/powerpoint/2010/main" xmlns="" val="623787478"/>
       </p:ext>
     </p:extLst>
   </p:cSld>
@@ -754,7 +754,7 @@
     </p:spTree>
     <p:extLst>
       <p:ext uri="{BB962C8B-B14F-4D97-AF65-F5344CB8AC3E}">
-        <p14:creationId xmlns="" xmlns:p14="http://schemas.microsoft.com/office/powerpoint/2010/main" val="3750793346"/>
+        <p14:creationId xmlns:p14="http://schemas.microsoft.com/office/powerpoint/2010/main" xmlns="" val="3750793346"/>
       </p:ext>
     </p:extLst>
   </p:cSld>
@@ -839,7 +839,7 @@
     </p:spTree>
     <p:extLst>
       <p:ext uri="{BB962C8B-B14F-4D97-AF65-F5344CB8AC3E}">
-        <p14:creationId xmlns="" xmlns:p14="http://schemas.microsoft.com/office/powerpoint/2010/main" val="2659555247"/>
+        <p14:creationId xmlns:p14="http://schemas.microsoft.com/office/powerpoint/2010/main" xmlns="" val="2659555247"/>
       </p:ext>
     </p:extLst>
   </p:cSld>
@@ -924,7 +924,7 @@
     </p:spTree>
     <p:extLst>
       <p:ext uri="{BB962C8B-B14F-4D97-AF65-F5344CB8AC3E}">
-        <p14:creationId xmlns="" xmlns:p14="http://schemas.microsoft.com/office/powerpoint/2010/main" val="2659555247"/>
+        <p14:creationId xmlns:p14="http://schemas.microsoft.com/office/powerpoint/2010/main" xmlns="" val="2659555247"/>
       </p:ext>
     </p:extLst>
   </p:cSld>
@@ -1009,7 +1009,7 @@
     </p:spTree>
     <p:extLst>
       <p:ext uri="{BB962C8B-B14F-4D97-AF65-F5344CB8AC3E}">
-        <p14:creationId xmlns="" xmlns:p14="http://schemas.microsoft.com/office/powerpoint/2010/main" val="2659555247"/>
+        <p14:creationId xmlns:p14="http://schemas.microsoft.com/office/powerpoint/2010/main" xmlns="" val="2659555247"/>
       </p:ext>
     </p:extLst>
   </p:cSld>
@@ -1094,7 +1094,7 @@
     </p:spTree>
     <p:extLst>
       <p:ext uri="{BB962C8B-B14F-4D97-AF65-F5344CB8AC3E}">
-        <p14:creationId xmlns="" xmlns:p14="http://schemas.microsoft.com/office/powerpoint/2010/main" val="2659555247"/>
+        <p14:creationId xmlns:p14="http://schemas.microsoft.com/office/powerpoint/2010/main" xmlns="" val="2659555247"/>
       </p:ext>
     </p:extLst>
   </p:cSld>
@@ -1179,7 +1179,7 @@
     </p:spTree>
     <p:extLst>
       <p:ext uri="{BB962C8B-B14F-4D97-AF65-F5344CB8AC3E}">
-        <p14:creationId xmlns="" xmlns:p14="http://schemas.microsoft.com/office/powerpoint/2010/main" val="2659555247"/>
+        <p14:creationId xmlns:p14="http://schemas.microsoft.com/office/powerpoint/2010/main" xmlns="" val="2659555247"/>
       </p:ext>
     </p:extLst>
   </p:cSld>
@@ -1264,7 +1264,7 @@
     </p:spTree>
     <p:extLst>
       <p:ext uri="{BB962C8B-B14F-4D97-AF65-F5344CB8AC3E}">
-        <p14:creationId xmlns="" xmlns:p14="http://schemas.microsoft.com/office/powerpoint/2010/main" val="2659555247"/>
+        <p14:creationId xmlns:p14="http://schemas.microsoft.com/office/powerpoint/2010/main" xmlns="" val="2659555247"/>
       </p:ext>
     </p:extLst>
   </p:cSld>
@@ -3652,7 +3652,7 @@
     </p:spTree>
     <p:extLst>
       <p:ext uri="{BB962C8B-B14F-4D97-AF65-F5344CB8AC3E}">
-        <p14:creationId xmlns="" xmlns:p14="http://schemas.microsoft.com/office/powerpoint/2010/main" val="2659555247"/>
+        <p14:creationId xmlns:p14="http://schemas.microsoft.com/office/powerpoint/2010/main" xmlns="" val="2659555247"/>
       </p:ext>
     </p:extLst>
   </p:cSld>
@@ -3737,7 +3737,7 @@
     </p:spTree>
     <p:extLst>
       <p:ext uri="{BB962C8B-B14F-4D97-AF65-F5344CB8AC3E}">
-        <p14:creationId xmlns="" xmlns:p14="http://schemas.microsoft.com/office/powerpoint/2010/main" val="2659555247"/>
+        <p14:creationId xmlns:p14="http://schemas.microsoft.com/office/powerpoint/2010/main" xmlns="" val="2659555247"/>
       </p:ext>
     </p:extLst>
   </p:cSld>
@@ -3822,7 +3822,7 @@
     </p:spTree>
     <p:extLst>
       <p:ext uri="{BB962C8B-B14F-4D97-AF65-F5344CB8AC3E}">
-        <p14:creationId xmlns="" xmlns:p14="http://schemas.microsoft.com/office/powerpoint/2010/main" val="2659555247"/>
+        <p14:creationId xmlns:p14="http://schemas.microsoft.com/office/powerpoint/2010/main" xmlns="" val="2659555247"/>
       </p:ext>
     </p:extLst>
   </p:cSld>
@@ -3907,7 +3907,7 @@
     </p:spTree>
     <p:extLst>
       <p:ext uri="{BB962C8B-B14F-4D97-AF65-F5344CB8AC3E}">
-        <p14:creationId xmlns="" xmlns:p14="http://schemas.microsoft.com/office/powerpoint/2010/main" val="2659555247"/>
+        <p14:creationId xmlns:p14="http://schemas.microsoft.com/office/powerpoint/2010/main" xmlns="" val="2659555247"/>
       </p:ext>
     </p:extLst>
   </p:cSld>
@@ -3992,7 +3992,7 @@
     </p:spTree>
     <p:extLst>
       <p:ext uri="{BB962C8B-B14F-4D97-AF65-F5344CB8AC3E}">
-        <p14:creationId xmlns="" xmlns:p14="http://schemas.microsoft.com/office/powerpoint/2010/main" val="2659555247"/>
+        <p14:creationId xmlns:p14="http://schemas.microsoft.com/office/powerpoint/2010/main" xmlns="" val="2659555247"/>
       </p:ext>
     </p:extLst>
   </p:cSld>
@@ -4077,7 +4077,7 @@
     </p:spTree>
     <p:extLst>
       <p:ext uri="{BB962C8B-B14F-4D97-AF65-F5344CB8AC3E}">
-        <p14:creationId xmlns="" xmlns:p14="http://schemas.microsoft.com/office/powerpoint/2010/main" val="2659555247"/>
+        <p14:creationId xmlns:p14="http://schemas.microsoft.com/office/powerpoint/2010/main" xmlns="" val="2659555247"/>
       </p:ext>
     </p:extLst>
   </p:cSld>
@@ -4162,7 +4162,7 @@
     </p:spTree>
     <p:extLst>
       <p:ext uri="{BB962C8B-B14F-4D97-AF65-F5344CB8AC3E}">
-        <p14:creationId xmlns="" xmlns:p14="http://schemas.microsoft.com/office/powerpoint/2010/main" val="2659555247"/>
+        <p14:creationId xmlns:p14="http://schemas.microsoft.com/office/powerpoint/2010/main" xmlns="" val="2659555247"/>
       </p:ext>
     </p:extLst>
   </p:cSld>
@@ -4480,7 +4480,7 @@
                 </a:solidFill>
               </a:rPr>
               <a:pPr/>
-              <a:t>10/16/2019</a:t>
+              <a:t>11/29/2019</a:t>
             </a:fld>
             <a:endParaRPr kumimoji="0" lang="en-US" dirty="0"/>
           </a:p>
@@ -4871,7 +4871,7 @@
                 </a:solidFill>
               </a:rPr>
               <a:pPr/>
-              <a:t>10/16/2019</a:t>
+              <a:t>11/29/2019</a:t>
             </a:fld>
             <a:endParaRPr kumimoji="0" lang="en-US" dirty="0"/>
           </a:p>
@@ -5206,7 +5206,7 @@
                 </a:solidFill>
               </a:rPr>
               <a:pPr/>
-              <a:t>10/16/2019</a:t>
+              <a:t>11/29/2019</a:t>
             </a:fld>
             <a:endParaRPr kumimoji="0" lang="en-US" dirty="0"/>
           </a:p>
@@ -5782,7 +5782,7 @@
                 </a:solidFill>
               </a:rPr>
               <a:pPr/>
-              <a:t>10/16/2019</a:t>
+              <a:t>11/29/2019</a:t>
             </a:fld>
             <a:endParaRPr kumimoji="0" lang="en-US" dirty="0"/>
           </a:p>
@@ -6346,7 +6346,7 @@
                 </a:solidFill>
               </a:rPr>
               <a:pPr/>
-              <a:t>10/16/2019</a:t>
+              <a:t>11/29/2019</a:t>
             </a:fld>
             <a:endParaRPr kumimoji="0" lang="en-US" dirty="0"/>
           </a:p>
@@ -6805,7 +6805,7 @@
                 </a:solidFill>
               </a:rPr>
               <a:pPr/>
-              <a:t>10/16/2019</a:t>
+              <a:t>11/29/2019</a:t>
             </a:fld>
             <a:endParaRPr kumimoji="0" lang="en-US" dirty="0"/>
           </a:p>
@@ -7229,7 +7229,7 @@
                 </a:solidFill>
               </a:rPr>
               <a:pPr/>
-              <a:t>10/16/2019</a:t>
+              <a:t>11/29/2019</a:t>
             </a:fld>
             <a:endParaRPr kumimoji="0" lang="en-US" dirty="0"/>
           </a:p>
@@ -7733,7 +7733,7 @@
                 </a:solidFill>
               </a:rPr>
               <a:pPr/>
-              <a:t>10/16/2019</a:t>
+              <a:t>11/29/2019</a:t>
             </a:fld>
             <a:endParaRPr kumimoji="0" lang="en-US" dirty="0"/>
           </a:p>
@@ -8237,7 +8237,7 @@
                 </a:solidFill>
               </a:rPr>
               <a:pPr/>
-              <a:t>10/16/2019</a:t>
+              <a:t>11/29/2019</a:t>
             </a:fld>
             <a:endParaRPr kumimoji="0" lang="en-US" dirty="0"/>
           </a:p>
@@ -8453,7 +8453,7 @@
                 </a:solidFill>
               </a:rPr>
               <a:pPr/>
-              <a:t>10/16/2019</a:t>
+              <a:t>11/29/2019</a:t>
             </a:fld>
             <a:endParaRPr kumimoji="0" lang="en-US" dirty="0"/>
           </a:p>
@@ -8781,7 +8781,7 @@
                 </a:solidFill>
               </a:rPr>
               <a:pPr/>
-              <a:t>10/16/2019</a:t>
+              <a:t>11/29/2019</a:t>
             </a:fld>
             <a:endParaRPr kumimoji="0" lang="en-US" dirty="0"/>
           </a:p>
@@ -9007,7 +9007,7 @@
                 </a:solidFill>
               </a:rPr>
               <a:pPr/>
-              <a:t>10/16/2019</a:t>
+              <a:t>11/29/2019</a:t>
             </a:fld>
             <a:endParaRPr kumimoji="0" lang="en-US" dirty="0"/>
           </a:p>
@@ -9226,7 +9226,7 @@
                 </a:solidFill>
               </a:rPr>
               <a:pPr/>
-              <a:t>10/16/2019</a:t>
+              <a:t>11/29/2019</a:t>
             </a:fld>
             <a:endParaRPr kumimoji="0" lang="en-US" dirty="0"/>
           </a:p>
@@ -9402,7 +9402,7 @@
             <a:fld id="{ACB2EC6F-6501-4E04-BD6C-A8A6CABB2C5B}" type="datetimeFigureOut">
               <a:rPr kumimoji="0" lang="en-US" smtClean="0"/>
               <a:pPr/>
-              <a:t>10/16/2019</a:t>
+              <a:t>11/29/2019</a:t>
             </a:fld>
             <a:endParaRPr kumimoji="0" lang="en-US" dirty="0"/>
           </a:p>
@@ -9647,7 +9647,7 @@
                 </a:solidFill>
               </a:rPr>
               <a:pPr/>
-              <a:t>10/16/2019</a:t>
+              <a:t>11/29/2019</a:t>
             </a:fld>
             <a:endParaRPr kumimoji="0" lang="en-US" dirty="0"/>
           </a:p>
@@ -10119,7 +10119,7 @@
                 </a:solidFill>
               </a:rPr>
               <a:pPr/>
-              <a:t>10/16/2019</a:t>
+              <a:t>11/29/2019</a:t>
             </a:fld>
             <a:endParaRPr kumimoji="0" lang="en-US" dirty="0"/>
           </a:p>
@@ -10471,7 +10471,7 @@
                 </a:solidFill>
               </a:rPr>
               <a:pPr/>
-              <a:t>10/16/2019</a:t>
+              <a:t>11/29/2019</a:t>
             </a:fld>
             <a:endParaRPr kumimoji="0" lang="en-US" dirty="0"/>
           </a:p>
@@ -10829,7 +10829,7 @@
                 </a:solidFill>
               </a:rPr>
               <a:pPr/>
-              <a:t>10/16/2019</a:t>
+              <a:t>11/29/2019</a:t>
             </a:fld>
             <a:endParaRPr kumimoji="0" lang="en-US" dirty="0"/>
           </a:p>
@@ -11134,7 +11134,7 @@
                 </a:solidFill>
               </a:rPr>
               <a:pPr/>
-              <a:t>10/16/2019</a:t>
+              <a:t>11/29/2019</a:t>
             </a:fld>
             <a:endParaRPr kumimoji="0" lang="en-US" dirty="0"/>
           </a:p>
@@ -11610,7 +11610,7 @@
                 </a:solidFill>
               </a:rPr>
               <a:pPr/>
-              <a:t>10/16/2019</a:t>
+              <a:t>11/29/2019</a:t>
             </a:fld>
             <a:endParaRPr kumimoji="0" lang="en-US" dirty="0"/>
           </a:p>
@@ -11847,7 +11847,7 @@
                 </a:solidFill>
               </a:rPr>
               <a:pPr/>
-              <a:t>10/16/2019</a:t>
+              <a:t>11/29/2019</a:t>
             </a:fld>
             <a:endParaRPr kumimoji="0" lang="en-US" sz="1200" dirty="0">
               <a:solidFill>
@@ -12403,7 +12403,7 @@
     </p:spTree>
     <p:extLst>
       <p:ext uri="{BB962C8B-B14F-4D97-AF65-F5344CB8AC3E}">
-        <p14:creationId xmlns="" xmlns:p14="http://schemas.microsoft.com/office/powerpoint/2010/main" val="2461702271"/>
+        <p14:creationId xmlns:p14="http://schemas.microsoft.com/office/powerpoint/2010/main" xmlns="" val="2461702271"/>
       </p:ext>
     </p:extLst>
   </p:cSld>
@@ -12484,14 +12484,7 @@
                 <a:latin typeface="微軟正黑體" pitchFamily="34" charset="-120"/>
                 <a:ea typeface="微軟正黑體" pitchFamily="34" charset="-120"/>
               </a:rPr>
-              <a:t>變更神經元的</a:t>
-            </a:r>
-            <a:r>
-              <a:rPr lang="zh-TW" altLang="en-US" sz="3600" b="1" dirty="0" smtClean="0">
-                <a:latin typeface="微軟正黑體" pitchFamily="34" charset="-120"/>
-                <a:ea typeface="微軟正黑體" pitchFamily="34" charset="-120"/>
-              </a:rPr>
-              <a:t>類型</a:t>
+              <a:t>變更神經元的類型</a:t>
             </a:r>
             <a:r>
               <a:rPr lang="en-US" altLang="zh-TW" sz="3600" b="1" dirty="0" smtClean="0">
@@ -12669,14 +12662,7 @@
                 <a:latin typeface="微軟正黑體" pitchFamily="34" charset="-120"/>
                 <a:ea typeface="微軟正黑體" pitchFamily="34" charset="-120"/>
               </a:rPr>
-              <a:t>增加複雜度，即增加</a:t>
-            </a:r>
-            <a:r>
-              <a:rPr lang="zh-TW" altLang="en-US" sz="3600" b="1" dirty="0" smtClean="0">
-                <a:latin typeface="微軟正黑體" pitchFamily="34" charset="-120"/>
-                <a:ea typeface="微軟正黑體" pitchFamily="34" charset="-120"/>
-              </a:rPr>
-              <a:t>函數分佈空間</a:t>
+              <a:t>增加複雜度，即增加函數分佈空間</a:t>
             </a:r>
             <a:endParaRPr lang="en-US" altLang="zh-TW" sz="3600" b="1" dirty="0" smtClean="0">
               <a:latin typeface="微軟正黑體" pitchFamily="34" charset="-120"/>
@@ -12792,7 +12778,7 @@
     </p:spTree>
     <p:extLst>
       <p:ext uri="{BB962C8B-B14F-4D97-AF65-F5344CB8AC3E}">
-        <p14:creationId xmlns="" xmlns:p14="http://schemas.microsoft.com/office/powerpoint/2010/main" val="522405798"/>
+        <p14:creationId xmlns:p14="http://schemas.microsoft.com/office/powerpoint/2010/main" xmlns="" val="522405798"/>
       </p:ext>
     </p:extLst>
   </p:cSld>
@@ -12955,17 +12941,7 @@
                 <a:latin typeface="微軟正黑體" pitchFamily="34" charset="-120"/>
                 <a:ea typeface="微軟正黑體" pitchFamily="34" charset="-120"/>
               </a:rPr>
-              <a:t>調整現有網路</a:t>
-            </a:r>
-            <a:r>
-              <a:rPr lang="zh-TW" altLang="en-US" sz="4800" b="1" dirty="0" smtClean="0">
-                <a:solidFill>
-                  <a:srgbClr val="00B0F0"/>
-                </a:solidFill>
-                <a:latin typeface="微軟正黑體" pitchFamily="34" charset="-120"/>
-                <a:ea typeface="微軟正黑體" pitchFamily="34" charset="-120"/>
-              </a:rPr>
-              <a:t>架構</a:t>
+              <a:t>調整現有網路架構</a:t>
             </a:r>
             <a:endParaRPr kumimoji="0" lang="zh-TW" altLang="en-US" sz="4800" b="1" i="0" u="none" strike="noStrike" kern="0" cap="none" spc="0" normalizeH="0" baseline="0" noProof="0" dirty="0">
               <a:ln>
@@ -12993,7 +12969,7 @@
     </p:spTree>
     <p:extLst>
       <p:ext uri="{BB962C8B-B14F-4D97-AF65-F5344CB8AC3E}">
-        <p14:creationId xmlns="" xmlns:p14="http://schemas.microsoft.com/office/powerpoint/2010/main" val="522405798"/>
+        <p14:creationId xmlns:p14="http://schemas.microsoft.com/office/powerpoint/2010/main" xmlns="" val="522405798"/>
       </p:ext>
     </p:extLst>
   </p:cSld>
@@ -13161,14 +13137,7 @@
                 <a:latin typeface="微軟正黑體" pitchFamily="34" charset="-120"/>
                 <a:ea typeface="微軟正黑體" pitchFamily="34" charset="-120"/>
               </a:rPr>
-              <a:t>的</a:t>
-            </a:r>
-            <a:r>
-              <a:rPr lang="zh-TW" altLang="en-US" sz="3600" b="1" dirty="0" smtClean="0">
-                <a:latin typeface="微軟正黑體" pitchFamily="34" charset="-120"/>
-                <a:ea typeface="微軟正黑體" pitchFamily="34" charset="-120"/>
-              </a:rPr>
-              <a:t>時間</a:t>
+              <a:t>的時間</a:t>
             </a:r>
             <a:endParaRPr lang="en-US" altLang="zh-TW" sz="3600" b="1" dirty="0" smtClean="0">
               <a:latin typeface="微軟正黑體" pitchFamily="34" charset="-120"/>
@@ -13241,7 +13210,7 @@
     </p:spTree>
     <p:extLst>
       <p:ext uri="{BB962C8B-B14F-4D97-AF65-F5344CB8AC3E}">
-        <p14:creationId xmlns="" xmlns:p14="http://schemas.microsoft.com/office/powerpoint/2010/main" val="522405798"/>
+        <p14:creationId xmlns:p14="http://schemas.microsoft.com/office/powerpoint/2010/main" xmlns="" val="522405798"/>
       </p:ext>
     </p:extLst>
   </p:cSld>
@@ -13367,14 +13336,7 @@
                 <a:latin typeface="微軟正黑體" pitchFamily="34" charset="-120"/>
                 <a:ea typeface="微軟正黑體" pitchFamily="34" charset="-120"/>
               </a:rPr>
-              <a:t>值非常</a:t>
-            </a:r>
-            <a:r>
-              <a:rPr lang="zh-TW" altLang="en-US" sz="3600" b="1" dirty="0" smtClean="0">
-                <a:latin typeface="微軟正黑體" pitchFamily="34" charset="-120"/>
-                <a:ea typeface="微軟正黑體" pitchFamily="34" charset="-120"/>
-              </a:rPr>
-              <a:t>小</a:t>
+              <a:t>值非常小</a:t>
             </a:r>
             <a:endParaRPr lang="en-US" altLang="zh-TW" sz="3600" b="1" dirty="0" smtClean="0">
               <a:latin typeface="微軟正黑體" pitchFamily="34" charset="-120"/>
@@ -13405,14 +13367,7 @@
                 <a:latin typeface="微軟正黑體" pitchFamily="34" charset="-120"/>
                 <a:ea typeface="微軟正黑體" pitchFamily="34" charset="-120"/>
               </a:rPr>
-              <a:t>很</a:t>
-            </a:r>
-            <a:r>
-              <a:rPr lang="zh-TW" altLang="en-US" sz="3600" b="1" dirty="0" smtClean="0">
-                <a:latin typeface="微軟正黑體" pitchFamily="34" charset="-120"/>
-                <a:ea typeface="微軟正黑體" pitchFamily="34" charset="-120"/>
-              </a:rPr>
-              <a:t>大</a:t>
+              <a:t>很大</a:t>
             </a:r>
             <a:endParaRPr lang="en-US" altLang="zh-TW" sz="3600" b="1" dirty="0" smtClean="0">
               <a:latin typeface="微軟正黑體" pitchFamily="34" charset="-120"/>
@@ -13429,56 +13384,35 @@
                 <a:latin typeface="微軟正黑體" pitchFamily="34" charset="-120"/>
                 <a:ea typeface="微軟正黑體" pitchFamily="34" charset="-120"/>
               </a:rPr>
-              <a:t>當前幾</a:t>
+              <a:t>當前幾層沒更動參數時</a:t>
+            </a:r>
+            <a:r>
+              <a:rPr lang="en-US" altLang="zh-TW" sz="3600" b="1" dirty="0" smtClean="0">
+                <a:latin typeface="微軟正黑體" pitchFamily="34" charset="-120"/>
+                <a:ea typeface="微軟正黑體" pitchFamily="34" charset="-120"/>
+              </a:rPr>
+              <a:t>(</a:t>
             </a:r>
             <a:r>
               <a:rPr lang="zh-TW" altLang="en-US" sz="3600" b="1" dirty="0" smtClean="0">
                 <a:latin typeface="微軟正黑體" pitchFamily="34" charset="-120"/>
                 <a:ea typeface="微軟正黑體" pitchFamily="34" charset="-120"/>
               </a:rPr>
-              <a:t>層沒更動參數時</a:t>
+              <a:t>隨機</a:t>
             </a:r>
             <a:r>
               <a:rPr lang="en-US" altLang="zh-TW" sz="3600" b="1" dirty="0" smtClean="0">
                 <a:latin typeface="微軟正黑體" pitchFamily="34" charset="-120"/>
                 <a:ea typeface="微軟正黑體" pitchFamily="34" charset="-120"/>
               </a:rPr>
-              <a:t>(</a:t>
+              <a:t>)</a:t>
             </a:r>
             <a:r>
               <a:rPr lang="zh-TW" altLang="en-US" sz="3600" b="1" dirty="0" smtClean="0">
                 <a:latin typeface="微軟正黑體" pitchFamily="34" charset="-120"/>
                 <a:ea typeface="微軟正黑體" pitchFamily="34" charset="-120"/>
               </a:rPr>
-              <a:t>隨機</a:t>
-            </a:r>
-            <a:r>
-              <a:rPr lang="en-US" altLang="zh-TW" sz="3600" b="1" dirty="0" smtClean="0">
-                <a:latin typeface="微軟正黑體" pitchFamily="34" charset="-120"/>
-                <a:ea typeface="微軟正黑體" pitchFamily="34" charset="-120"/>
-              </a:rPr>
-              <a:t>)</a:t>
-            </a:r>
-            <a:r>
-              <a:rPr lang="zh-TW" altLang="en-US" sz="3600" b="1" dirty="0" smtClean="0">
-                <a:latin typeface="微軟正黑體" pitchFamily="34" charset="-120"/>
-                <a:ea typeface="微軟正黑體" pitchFamily="34" charset="-120"/>
-              </a:rPr>
-              <a:t>，後幾</a:t>
-            </a:r>
-            <a:r>
-              <a:rPr lang="zh-TW" altLang="en-US" sz="3600" b="1" dirty="0" smtClean="0">
-                <a:latin typeface="微軟正黑體" pitchFamily="34" charset="-120"/>
-                <a:ea typeface="微軟正黑體" pitchFamily="34" charset="-120"/>
-              </a:rPr>
-              <a:t>層的</a:t>
-            </a:r>
-            <a:r>
-              <a:rPr lang="zh-TW" altLang="en-US" sz="3600" b="1" dirty="0" smtClean="0">
-                <a:latin typeface="微軟正黑體" pitchFamily="34" charset="-120"/>
-                <a:ea typeface="微軟正黑體" pitchFamily="34" charset="-120"/>
-              </a:rPr>
-              <a:t>參數已收斂</a:t>
+              <a:t>，後幾層的參數已收斂</a:t>
             </a:r>
             <a:endParaRPr lang="en-US" altLang="zh-TW" sz="3600" b="1" dirty="0" smtClean="0">
               <a:latin typeface="微軟正黑體" pitchFamily="34" charset="-120"/>
@@ -13558,7 +13492,7 @@
     </p:spTree>
     <p:extLst>
       <p:ext uri="{BB962C8B-B14F-4D97-AF65-F5344CB8AC3E}">
-        <p14:creationId xmlns="" xmlns:p14="http://schemas.microsoft.com/office/powerpoint/2010/main" val="522405798"/>
+        <p14:creationId xmlns:p14="http://schemas.microsoft.com/office/powerpoint/2010/main" xmlns="" val="522405798"/>
       </p:ext>
     </p:extLst>
   </p:cSld>
@@ -13770,14 +13704,7 @@
                 <a:latin typeface="微軟正黑體" pitchFamily="34" charset="-120"/>
                 <a:ea typeface="微軟正黑體" pitchFamily="34" charset="-120"/>
               </a:rPr>
-              <a:t>批次</a:t>
-            </a:r>
-            <a:r>
-              <a:rPr lang="zh-TW" altLang="en-US" sz="3600" b="1" dirty="0" smtClean="0">
-                <a:latin typeface="微軟正黑體" pitchFamily="34" charset="-120"/>
-                <a:ea typeface="微軟正黑體" pitchFamily="34" charset="-120"/>
-              </a:rPr>
-              <a:t>大小</a:t>
+              <a:t>批次大小</a:t>
             </a:r>
             <a:r>
               <a:rPr lang="en-US" altLang="zh-TW" sz="3600" b="1" dirty="0" smtClean="0">
@@ -13824,14 +13751,7 @@
                 <a:latin typeface="微軟正黑體" pitchFamily="34" charset="-120"/>
                 <a:ea typeface="微軟正黑體" pitchFamily="34" charset="-120"/>
               </a:rPr>
-              <a:t>(Early stopping</a:t>
-            </a:r>
-            <a:r>
-              <a:rPr lang="en-US" altLang="zh-TW" sz="3600" b="1" dirty="0" smtClean="0">
-                <a:latin typeface="微軟正黑體" pitchFamily="34" charset="-120"/>
-                <a:ea typeface="微軟正黑體" pitchFamily="34" charset="-120"/>
-              </a:rPr>
-              <a:t>)</a:t>
+              <a:t>(Early stopping)</a:t>
             </a:r>
           </a:p>
           <a:p>
@@ -13914,7 +13834,7 @@
     </p:spTree>
     <p:extLst>
       <p:ext uri="{BB962C8B-B14F-4D97-AF65-F5344CB8AC3E}">
-        <p14:creationId xmlns="" xmlns:p14="http://schemas.microsoft.com/office/powerpoint/2010/main" val="522405798"/>
+        <p14:creationId xmlns:p14="http://schemas.microsoft.com/office/powerpoint/2010/main" xmlns="" val="522405798"/>
       </p:ext>
     </p:extLst>
   </p:cSld>
@@ -13995,19 +13915,8 @@
                 <a:latin typeface="微軟正黑體" pitchFamily="34" charset="-120"/>
                 <a:ea typeface="微軟正黑體" pitchFamily="34" charset="-120"/>
               </a:rPr>
-              <a:t>Feature </a:t>
-            </a:r>
-            <a:r>
-              <a:rPr lang="en-US" altLang="zh-TW" sz="2800" b="1" dirty="0" smtClean="0">
-                <a:latin typeface="微軟正黑體" pitchFamily="34" charset="-120"/>
-                <a:ea typeface="微軟正黑體" pitchFamily="34" charset="-120"/>
-              </a:rPr>
-              <a:t>Scaling(Normalization)</a:t>
-            </a:r>
-            <a:endParaRPr lang="en-US" altLang="zh-TW" sz="2800" b="1" dirty="0" smtClean="0">
-              <a:latin typeface="微軟正黑體" pitchFamily="34" charset="-120"/>
-              <a:ea typeface="微軟正黑體" pitchFamily="34" charset="-120"/>
-            </a:endParaRPr>
+              <a:t>Feature Scaling(Normalization)</a:t>
+            </a:r>
           </a:p>
           <a:p>
             <a:pPr marL="742950" indent="-742950">
@@ -14140,21 +14049,7 @@
                 <a:latin typeface="微軟正黑體" pitchFamily="34" charset="-120"/>
                 <a:ea typeface="微軟正黑體" pitchFamily="34" charset="-120"/>
               </a:rPr>
-              <a:t>, </a:t>
-            </a:r>
-            <a:r>
-              <a:rPr lang="en-US" altLang="zh-TW" sz="2800" b="1" dirty="0" smtClean="0">
-                <a:latin typeface="微軟正黑體" pitchFamily="34" charset="-120"/>
-                <a:ea typeface="微軟正黑體" pitchFamily="34" charset="-120"/>
-              </a:rPr>
-              <a:t>BAGAN</a:t>
-            </a:r>
-            <a:r>
-              <a:rPr lang="en-US" altLang="zh-TW" sz="2800" b="1" dirty="0" smtClean="0">
-                <a:latin typeface="微軟正黑體" pitchFamily="34" charset="-120"/>
-                <a:ea typeface="微軟正黑體" pitchFamily="34" charset="-120"/>
-              </a:rPr>
-              <a:t>)</a:t>
+              <a:t>, BAGAN)</a:t>
             </a:r>
           </a:p>
           <a:p>
@@ -14223,7 +14118,7 @@
     </p:spTree>
     <p:extLst>
       <p:ext uri="{BB962C8B-B14F-4D97-AF65-F5344CB8AC3E}">
-        <p14:creationId xmlns="" xmlns:p14="http://schemas.microsoft.com/office/powerpoint/2010/main" val="522405798"/>
+        <p14:creationId xmlns:p14="http://schemas.microsoft.com/office/powerpoint/2010/main" xmlns="" val="522405798"/>
       </p:ext>
     </p:extLst>
   </p:cSld>
@@ -14469,7 +14364,7 @@
     </p:spTree>
     <p:extLst>
       <p:ext uri="{BB962C8B-B14F-4D97-AF65-F5344CB8AC3E}">
-        <p14:creationId xmlns="" xmlns:p14="http://schemas.microsoft.com/office/powerpoint/2010/main" val="522405798"/>
+        <p14:creationId xmlns:p14="http://schemas.microsoft.com/office/powerpoint/2010/main" xmlns="" val="522405798"/>
       </p:ext>
     </p:extLst>
   </p:cSld>
@@ -14679,7 +14574,7 @@
     </p:spTree>
     <p:extLst>
       <p:ext uri="{BB962C8B-B14F-4D97-AF65-F5344CB8AC3E}">
-        <p14:creationId xmlns="" xmlns:p14="http://schemas.microsoft.com/office/powerpoint/2010/main" val="522405798"/>
+        <p14:creationId xmlns:p14="http://schemas.microsoft.com/office/powerpoint/2010/main" xmlns="" val="522405798"/>
       </p:ext>
     </p:extLst>
   </p:cSld>
@@ -14904,7 +14799,7 @@
     </p:spTree>
     <p:extLst>
       <p:ext uri="{BB962C8B-B14F-4D97-AF65-F5344CB8AC3E}">
-        <p14:creationId xmlns="" xmlns:p14="http://schemas.microsoft.com/office/powerpoint/2010/main" val="522405798"/>
+        <p14:creationId xmlns:p14="http://schemas.microsoft.com/office/powerpoint/2010/main" xmlns="" val="522405798"/>
       </p:ext>
     </p:extLst>
   </p:cSld>
@@ -15144,7 +15039,7 @@
     </p:spTree>
     <p:extLst>
       <p:ext uri="{BB962C8B-B14F-4D97-AF65-F5344CB8AC3E}">
-        <p14:creationId xmlns="" xmlns:p14="http://schemas.microsoft.com/office/powerpoint/2010/main" val="522405798"/>
+        <p14:creationId xmlns:p14="http://schemas.microsoft.com/office/powerpoint/2010/main" xmlns="" val="522405798"/>
       </p:ext>
     </p:extLst>
   </p:cSld>
@@ -15456,7 +15351,7 @@
     </p:spTree>
     <p:extLst>
       <p:ext uri="{BB962C8B-B14F-4D97-AF65-F5344CB8AC3E}">
-        <p14:creationId xmlns="" xmlns:p14="http://schemas.microsoft.com/office/powerpoint/2010/main" val="522405798"/>
+        <p14:creationId xmlns:p14="http://schemas.microsoft.com/office/powerpoint/2010/main" xmlns="" val="522405798"/>
       </p:ext>
     </p:extLst>
   </p:cSld>
@@ -15537,14 +15432,7 @@
                 <a:latin typeface="微軟正黑體" pitchFamily="34" charset="-120"/>
                 <a:ea typeface="微軟正黑體" pitchFamily="34" charset="-120"/>
               </a:rPr>
-              <a:t>訓練集結果不好</a:t>
-            </a:r>
-            <a:r>
-              <a:rPr lang="zh-TW" altLang="en-US" sz="3600" dirty="0" smtClean="0">
-                <a:latin typeface="微軟正黑體" pitchFamily="34" charset="-120"/>
-                <a:ea typeface="微軟正黑體" pitchFamily="34" charset="-120"/>
-              </a:rPr>
-              <a:t>，需調整模型</a:t>
+              <a:t>訓練集結果不好，需調整模型</a:t>
             </a:r>
             <a:endParaRPr lang="en-US" altLang="zh-TW" sz="3600" dirty="0" smtClean="0">
               <a:latin typeface="微軟正黑體" pitchFamily="34" charset="-120"/>
@@ -15561,14 +15449,7 @@
                 <a:latin typeface="微軟正黑體" pitchFamily="34" charset="-120"/>
                 <a:ea typeface="微軟正黑體" pitchFamily="34" charset="-120"/>
               </a:rPr>
-              <a:t>接下來看測試</a:t>
-            </a:r>
-            <a:r>
-              <a:rPr lang="zh-TW" altLang="en-US" sz="3600" dirty="0" smtClean="0">
-                <a:latin typeface="微軟正黑體" pitchFamily="34" charset="-120"/>
-                <a:ea typeface="微軟正黑體" pitchFamily="34" charset="-120"/>
-              </a:rPr>
-              <a:t>集上有沒有好的結果</a:t>
+              <a:t>接下來看測試集上有沒有好的結果</a:t>
             </a:r>
           </a:p>
           <a:p>
@@ -15581,28 +15462,7 @@
                 <a:latin typeface="微軟正黑體" pitchFamily="34" charset="-120"/>
                 <a:ea typeface="微軟正黑體" pitchFamily="34" charset="-120"/>
               </a:rPr>
-              <a:t>訓練集有，但測試</a:t>
-            </a:r>
-            <a:r>
-              <a:rPr lang="zh-TW" altLang="en-US" sz="3600" dirty="0" smtClean="0">
-                <a:latin typeface="微軟正黑體" pitchFamily="34" charset="-120"/>
-                <a:ea typeface="微軟正黑體" pitchFamily="34" charset="-120"/>
-              </a:rPr>
-              <a:t>集上</a:t>
-            </a:r>
-            <a:r>
-              <a:rPr lang="zh-TW" altLang="en-US" sz="3600" dirty="0" smtClean="0">
-                <a:latin typeface="微軟正黑體" pitchFamily="34" charset="-120"/>
-                <a:ea typeface="微軟正黑體" pitchFamily="34" charset="-120"/>
-              </a:rPr>
-              <a:t>沒有，</a:t>
-            </a:r>
-            <a:r>
-              <a:rPr lang="zh-TW" altLang="en-US" sz="3600" dirty="0" smtClean="0">
-                <a:latin typeface="微軟正黑體" pitchFamily="34" charset="-120"/>
-                <a:ea typeface="微軟正黑體" pitchFamily="34" charset="-120"/>
-              </a:rPr>
-              <a:t>就是過度擬合</a:t>
+              <a:t>訓練集有，但測試集上沒有，就是過度擬合</a:t>
             </a:r>
           </a:p>
           <a:p>
@@ -15615,28 +15475,7 @@
                 <a:latin typeface="微軟正黑體" pitchFamily="34" charset="-120"/>
                 <a:ea typeface="微軟正黑體" pitchFamily="34" charset="-120"/>
               </a:rPr>
-              <a:t>訓練集、測試</a:t>
-            </a:r>
-            <a:r>
-              <a:rPr lang="zh-TW" altLang="en-US" sz="3600" dirty="0" smtClean="0">
-                <a:latin typeface="微軟正黑體" pitchFamily="34" charset="-120"/>
-                <a:ea typeface="微軟正黑體" pitchFamily="34" charset="-120"/>
-              </a:rPr>
-              <a:t>集上</a:t>
-            </a:r>
-            <a:r>
-              <a:rPr lang="zh-TW" altLang="en-US" sz="3600" dirty="0" smtClean="0">
-                <a:latin typeface="微軟正黑體" pitchFamily="34" charset="-120"/>
-                <a:ea typeface="微軟正黑體" pitchFamily="34" charset="-120"/>
-              </a:rPr>
-              <a:t>結果都好</a:t>
-            </a:r>
-            <a:r>
-              <a:rPr lang="zh-TW" altLang="en-US" sz="3600" dirty="0" smtClean="0">
-                <a:latin typeface="微軟正黑體" pitchFamily="34" charset="-120"/>
-                <a:ea typeface="微軟正黑體" pitchFamily="34" charset="-120"/>
-              </a:rPr>
-              <a:t>，表示模型訓練成功</a:t>
+              <a:t>訓練集、測試集上結果都好，表示模型訓練成功</a:t>
             </a:r>
           </a:p>
           <a:p>
@@ -15727,7 +15566,7 @@
     </p:spTree>
     <p:extLst>
       <p:ext uri="{BB962C8B-B14F-4D97-AF65-F5344CB8AC3E}">
-        <p14:creationId xmlns="" xmlns:p14="http://schemas.microsoft.com/office/powerpoint/2010/main" val="522405798"/>
+        <p14:creationId xmlns:p14="http://schemas.microsoft.com/office/powerpoint/2010/main" xmlns="" val="522405798"/>
       </p:ext>
     </p:extLst>
   </p:cSld>
@@ -15889,26 +15728,8 @@
                 <a:latin typeface="微軟正黑體" pitchFamily="34" charset="-120"/>
                 <a:ea typeface="微軟正黑體" pitchFamily="34" charset="-120"/>
               </a:rPr>
-              <a:t>針對輸入資料</a:t>
-            </a:r>
-            <a:r>
-              <a:rPr lang="zh-TW" altLang="en-US" sz="3600" dirty="0" smtClean="0">
-                <a:latin typeface="微軟正黑體" pitchFamily="34" charset="-120"/>
-                <a:ea typeface="微軟正黑體" pitchFamily="34" charset="-120"/>
-              </a:rPr>
-              <a:t>集</a:t>
-            </a:r>
-            <a:r>
-              <a:rPr lang="zh-TW" altLang="en-US" sz="3600" dirty="0" smtClean="0">
-                <a:latin typeface="微軟正黑體" pitchFamily="34" charset="-120"/>
-                <a:ea typeface="微軟正黑體" pitchFamily="34" charset="-120"/>
-              </a:rPr>
-              <a:t>的調整</a:t>
-            </a:r>
-            <a:endParaRPr lang="zh-TW" altLang="en-US" sz="3600" dirty="0" smtClean="0">
-              <a:latin typeface="微軟正黑體" pitchFamily="34" charset="-120"/>
-              <a:ea typeface="微軟正黑體" pitchFamily="34" charset="-120"/>
-            </a:endParaRPr>
+              <a:t>針對輸入資料集的調整</a:t>
+            </a:r>
           </a:p>
           <a:p>
             <a:pPr marL="742950" indent="-742950">
@@ -15920,21 +15741,7 @@
                 <a:latin typeface="微軟正黑體" pitchFamily="34" charset="-120"/>
                 <a:ea typeface="微軟正黑體" pitchFamily="34" charset="-120"/>
               </a:rPr>
-              <a:t>針對</a:t>
-            </a:r>
-            <a:r>
-              <a:rPr lang="zh-TW" altLang="en-US" sz="3600" dirty="0" smtClean="0">
-                <a:latin typeface="微軟正黑體" pitchFamily="34" charset="-120"/>
-                <a:ea typeface="微軟正黑體" pitchFamily="34" charset="-120"/>
-              </a:rPr>
-              <a:t>訓練超參數</a:t>
-            </a:r>
-            <a:r>
-              <a:rPr lang="zh-TW" altLang="en-US" sz="3600" dirty="0" smtClean="0">
-                <a:latin typeface="微軟正黑體" pitchFamily="34" charset="-120"/>
-                <a:ea typeface="微軟正黑體" pitchFamily="34" charset="-120"/>
-              </a:rPr>
-              <a:t>的調整</a:t>
+              <a:t>針對訓練超參數的調整</a:t>
             </a:r>
           </a:p>
           <a:p>
@@ -15947,14 +15754,7 @@
                 <a:latin typeface="微軟正黑體" pitchFamily="34" charset="-120"/>
                 <a:ea typeface="微軟正黑體" pitchFamily="34" charset="-120"/>
               </a:rPr>
-              <a:t>神經網路本身的</a:t>
-            </a:r>
-            <a:r>
-              <a:rPr lang="zh-TW" altLang="en-US" sz="3600" dirty="0" smtClean="0">
-                <a:latin typeface="微軟正黑體" pitchFamily="34" charset="-120"/>
-                <a:ea typeface="微軟正黑體" pitchFamily="34" charset="-120"/>
-              </a:rPr>
-              <a:t>調整</a:t>
+              <a:t>神經網路本身的調整</a:t>
             </a:r>
           </a:p>
           <a:p>
@@ -15967,19 +15767,8 @@
                 <a:latin typeface="微軟正黑體" pitchFamily="34" charset="-120"/>
                 <a:ea typeface="微軟正黑體" pitchFamily="34" charset="-120"/>
               </a:rPr>
-              <a:t>損失</a:t>
-            </a:r>
-            <a:r>
-              <a:rPr lang="zh-TW" altLang="en-US" sz="3600" dirty="0" smtClean="0">
-                <a:latin typeface="微軟正黑體" pitchFamily="34" charset="-120"/>
-                <a:ea typeface="微軟正黑體" pitchFamily="34" charset="-120"/>
-              </a:rPr>
-              <a:t>函數的調整</a:t>
-            </a:r>
-            <a:endParaRPr lang="zh-TW" altLang="en-US" sz="3600" dirty="0" smtClean="0">
-              <a:latin typeface="微軟正黑體" pitchFamily="34" charset="-120"/>
-              <a:ea typeface="微軟正黑體" pitchFamily="34" charset="-120"/>
-            </a:endParaRPr>
+              <a:t>損失函數的調整</a:t>
+            </a:r>
           </a:p>
           <a:p>
             <a:pPr marL="742950" indent="-742950">
@@ -15991,19 +15780,8 @@
                 <a:latin typeface="微軟正黑體" pitchFamily="34" charset="-120"/>
                 <a:ea typeface="微軟正黑體" pitchFamily="34" charset="-120"/>
               </a:rPr>
-              <a:t>最佳化</a:t>
-            </a:r>
-            <a:r>
-              <a:rPr lang="zh-TW" altLang="en-US" sz="3600" dirty="0" smtClean="0">
-                <a:latin typeface="微軟正黑體" pitchFamily="34" charset="-120"/>
-                <a:ea typeface="微軟正黑體" pitchFamily="34" charset="-120"/>
-              </a:rPr>
-              <a:t>方法的調整</a:t>
-            </a:r>
-            <a:endParaRPr lang="zh-TW" altLang="en-US" sz="3600" dirty="0" smtClean="0">
-              <a:latin typeface="微軟正黑體" pitchFamily="34" charset="-120"/>
-              <a:ea typeface="微軟正黑體" pitchFamily="34" charset="-120"/>
-            </a:endParaRPr>
+              <a:t>最佳化方法的調整</a:t>
+            </a:r>
           </a:p>
           <a:p>
             <a:pPr marL="742950" indent="-742950">
@@ -16117,7 +15895,7 @@
     </p:spTree>
     <p:extLst>
       <p:ext uri="{BB962C8B-B14F-4D97-AF65-F5344CB8AC3E}">
-        <p14:creationId xmlns="" xmlns:p14="http://schemas.microsoft.com/office/powerpoint/2010/main" val="522405798"/>
+        <p14:creationId xmlns:p14="http://schemas.microsoft.com/office/powerpoint/2010/main" xmlns="" val="522405798"/>
       </p:ext>
     </p:extLst>
   </p:cSld>
